--- a/src/test/resources/org/sikuli/slides/api/interpreters/ConfigScreen.pptx
+++ b/src/test/resources/org/sikuli/slides/api/interpreters/ConfigScreen.pptx
@@ -192,7 +192,7 @@
           <a:p>
             <a:fld id="{44FB6130-3514-2149-8391-35A9A02F5072}" type="datetimeFigureOut">
               <a:rPr lang="en-US" smtClean="0"/>
-              <a:t>8/25/13</a:t>
+              <a:t>10/20/13</a:t>
             </a:fld>
             <a:endParaRPr lang="en-US"/>
           </a:p>
@@ -725,7 +725,7 @@
           <a:p>
             <a:fld id="{A53BA1BB-AB23-E847-B28F-2D2605775E3E}" type="datetimeFigureOut">
               <a:rPr lang="en-US" smtClean="0"/>
-              <a:t>8/25/13</a:t>
+              <a:t>10/20/13</a:t>
             </a:fld>
             <a:endParaRPr lang="en-US"/>
           </a:p>
@@ -895,7 +895,7 @@
           <a:p>
             <a:fld id="{A53BA1BB-AB23-E847-B28F-2D2605775E3E}" type="datetimeFigureOut">
               <a:rPr lang="en-US" smtClean="0"/>
-              <a:t>8/25/13</a:t>
+              <a:t>10/20/13</a:t>
             </a:fld>
             <a:endParaRPr lang="en-US"/>
           </a:p>
@@ -1075,7 +1075,7 @@
           <a:p>
             <a:fld id="{A53BA1BB-AB23-E847-B28F-2D2605775E3E}" type="datetimeFigureOut">
               <a:rPr lang="en-US" smtClean="0"/>
-              <a:t>8/25/13</a:t>
+              <a:t>10/20/13</a:t>
             </a:fld>
             <a:endParaRPr lang="en-US"/>
           </a:p>
@@ -1245,7 +1245,7 @@
           <a:p>
             <a:fld id="{A53BA1BB-AB23-E847-B28F-2D2605775E3E}" type="datetimeFigureOut">
               <a:rPr lang="en-US" smtClean="0"/>
-              <a:t>8/25/13</a:t>
+              <a:t>10/20/13</a:t>
             </a:fld>
             <a:endParaRPr lang="en-US"/>
           </a:p>
@@ -1491,7 +1491,7 @@
           <a:p>
             <a:fld id="{A53BA1BB-AB23-E847-B28F-2D2605775E3E}" type="datetimeFigureOut">
               <a:rPr lang="en-US" smtClean="0"/>
-              <a:t>8/25/13</a:t>
+              <a:t>10/20/13</a:t>
             </a:fld>
             <a:endParaRPr lang="en-US"/>
           </a:p>
@@ -1779,7 +1779,7 @@
           <a:p>
             <a:fld id="{A53BA1BB-AB23-E847-B28F-2D2605775E3E}" type="datetimeFigureOut">
               <a:rPr lang="en-US" smtClean="0"/>
-              <a:t>8/25/13</a:t>
+              <a:t>10/20/13</a:t>
             </a:fld>
             <a:endParaRPr lang="en-US"/>
           </a:p>
@@ -2201,7 +2201,7 @@
           <a:p>
             <a:fld id="{A53BA1BB-AB23-E847-B28F-2D2605775E3E}" type="datetimeFigureOut">
               <a:rPr lang="en-US" smtClean="0"/>
-              <a:t>8/25/13</a:t>
+              <a:t>10/20/13</a:t>
             </a:fld>
             <a:endParaRPr lang="en-US"/>
           </a:p>
@@ -2319,7 +2319,7 @@
           <a:p>
             <a:fld id="{A53BA1BB-AB23-E847-B28F-2D2605775E3E}" type="datetimeFigureOut">
               <a:rPr lang="en-US" smtClean="0"/>
-              <a:t>8/25/13</a:t>
+              <a:t>10/20/13</a:t>
             </a:fld>
             <a:endParaRPr lang="en-US"/>
           </a:p>
@@ -2414,7 +2414,7 @@
           <a:p>
             <a:fld id="{A53BA1BB-AB23-E847-B28F-2D2605775E3E}" type="datetimeFigureOut">
               <a:rPr lang="en-US" smtClean="0"/>
-              <a:t>8/25/13</a:t>
+              <a:t>10/20/13</a:t>
             </a:fld>
             <a:endParaRPr lang="en-US"/>
           </a:p>
@@ -2691,7 +2691,7 @@
           <a:p>
             <a:fld id="{A53BA1BB-AB23-E847-B28F-2D2605775E3E}" type="datetimeFigureOut">
               <a:rPr lang="en-US" smtClean="0"/>
-              <a:t>8/25/13</a:t>
+              <a:t>10/20/13</a:t>
             </a:fld>
             <a:endParaRPr lang="en-US"/>
           </a:p>
@@ -2944,7 +2944,7 @@
           <a:p>
             <a:fld id="{A53BA1BB-AB23-E847-B28F-2D2605775E3E}" type="datetimeFigureOut">
               <a:rPr lang="en-US" smtClean="0"/>
-              <a:t>8/25/13</a:t>
+              <a:t>10/20/13</a:t>
             </a:fld>
             <a:endParaRPr lang="en-US"/>
           </a:p>
@@ -3157,7 +3157,7 @@
           <a:p>
             <a:fld id="{A53BA1BB-AB23-E847-B28F-2D2605775E3E}" type="datetimeFigureOut">
               <a:rPr lang="en-US" smtClean="0"/>
-              <a:t>8/25/13</a:t>
+              <a:t>10/20/13</a:t>
             </a:fld>
             <a:endParaRPr lang="en-US"/>
           </a:p>
@@ -3613,7 +3613,7 @@
         </p:nvSpPr>
         <p:spPr>
           <a:xfrm>
-            <a:off x="1386667" y="1650160"/>
+            <a:off x="1355532" y="1626660"/>
             <a:ext cx="1032944" cy="310585"/>
           </a:xfrm>
           <a:prstGeom prst="rect">
@@ -3646,44 +3646,6 @@
           <a:p>
             <a:pPr algn="ctr"/>
             <a:endParaRPr lang="en-US"/>
-          </a:p>
-        </p:txBody>
-      </p:sp>
-      <p:sp>
-        <p:nvSpPr>
-          <p:cNvPr id="7" name="TextBox 6"/>
-          <p:cNvSpPr txBox="1"/>
-          <p:nvPr/>
-        </p:nvSpPr>
-        <p:spPr>
-          <a:xfrm>
-            <a:off x="4650385" y="1638642"/>
-            <a:ext cx="1499917" cy="276999"/>
-          </a:xfrm>
-          <a:prstGeom prst="rect">
-            <a:avLst/>
-          </a:prstGeom>
-          <a:noFill/>
-        </p:spPr>
-        <p:txBody>
-          <a:bodyPr wrap="none" rtlCol="0">
-            <a:spAutoFit/>
-          </a:bodyPr>
-          <a:lstStyle/>
-          <a:p>
-            <a:r>
-              <a:rPr lang="en-US" sz="1200" dirty="0" smtClean="0"/>
-              <a:t>Monitor (</a:t>
-            </a:r>
-            <a:r>
-              <a:rPr lang="en-US" sz="1200" i="1" dirty="0"/>
-              <a:t>t</a:t>
-            </a:r>
-            <a:r>
-              <a:rPr lang="en-US" sz="1200" i="1" dirty="0" smtClean="0"/>
-              <a:t>ype other)</a:t>
-            </a:r>
-            <a:endParaRPr lang="en-US" sz="1200" i="1" dirty="0"/>
           </a:p>
         </p:txBody>
       </p:sp>
